--- a/build/Textures/Novo(a) Apresentação do Microsoft PowerPoint.pptx
+++ b/build/Textures/Novo(a) Apresentação do Microsoft PowerPoint.pptx
@@ -5,12 +5,13 @@
     <p:sldMasterId id="2147483648" r:id="rId1"/>
   </p:sldMasterIdLst>
   <p:notesMasterIdLst>
-    <p:notesMasterId r:id="rId5"/>
+    <p:notesMasterId r:id="rId6"/>
   </p:notesMasterIdLst>
   <p:sldIdLst>
     <p:sldId id="256" r:id="rId2"/>
     <p:sldId id="257" r:id="rId3"/>
     <p:sldId id="258" r:id="rId4"/>
+    <p:sldId id="259" r:id="rId5"/>
   </p:sldIdLst>
   <p:sldSz cx="12192000" cy="6858000"/>
   <p:notesSz cx="6858000" cy="9144000"/>
@@ -199,7 +200,7 @@
           <a:p>
             <a:fld id="{AE21264A-7C9A-4C0D-AFF9-3B7F1BFEBF06}" type="datetimeFigureOut">
               <a:rPr lang="es-CO" smtClean="0"/>
-              <a:t>2/06/2020</a:t>
+              <a:t>18/08/2021</a:t>
             </a:fld>
             <a:endParaRPr lang="es-CO"/>
           </a:p>
@@ -358,7 +359,7 @@
           <a:p>
             <a:fld id="{33AF5454-028C-4499-BAAF-D487336FF662}" type="slidenum">
               <a:rPr lang="es-CO" smtClean="0"/>
-              <a:t>‹nº›</a:t>
+              <a:t>‹#›</a:t>
             </a:fld>
             <a:endParaRPr lang="es-CO"/>
           </a:p>
@@ -700,7 +701,7 @@
           <a:p>
             <a:fld id="{B9A5D450-12D0-4731-90CD-E62819AFA113}" type="datetimeFigureOut">
               <a:rPr lang="es-CO" smtClean="0"/>
-              <a:t>2/06/2020</a:t>
+              <a:t>18/08/2021</a:t>
             </a:fld>
             <a:endParaRPr lang="es-CO"/>
           </a:p>
@@ -754,7 +755,7 @@
           <a:p>
             <a:fld id="{DA7C3136-02F7-461C-853A-7D23F2503AF7}" type="slidenum">
               <a:rPr lang="es-CO" smtClean="0"/>
-              <a:t>‹nº›</a:t>
+              <a:t>‹#›</a:t>
             </a:fld>
             <a:endParaRPr lang="es-CO"/>
           </a:p>
@@ -900,7 +901,7 @@
           <a:p>
             <a:fld id="{B9A5D450-12D0-4731-90CD-E62819AFA113}" type="datetimeFigureOut">
               <a:rPr lang="es-CO" smtClean="0"/>
-              <a:t>2/06/2020</a:t>
+              <a:t>18/08/2021</a:t>
             </a:fld>
             <a:endParaRPr lang="es-CO"/>
           </a:p>
@@ -954,7 +955,7 @@
           <a:p>
             <a:fld id="{DA7C3136-02F7-461C-853A-7D23F2503AF7}" type="slidenum">
               <a:rPr lang="es-CO" smtClean="0"/>
-              <a:t>‹nº›</a:t>
+              <a:t>‹#›</a:t>
             </a:fld>
             <a:endParaRPr lang="es-CO"/>
           </a:p>
@@ -1110,7 +1111,7 @@
           <a:p>
             <a:fld id="{B9A5D450-12D0-4731-90CD-E62819AFA113}" type="datetimeFigureOut">
               <a:rPr lang="es-CO" smtClean="0"/>
-              <a:t>2/06/2020</a:t>
+              <a:t>18/08/2021</a:t>
             </a:fld>
             <a:endParaRPr lang="es-CO"/>
           </a:p>
@@ -1164,7 +1165,7 @@
           <a:p>
             <a:fld id="{DA7C3136-02F7-461C-853A-7D23F2503AF7}" type="slidenum">
               <a:rPr lang="es-CO" smtClean="0"/>
-              <a:t>‹nº›</a:t>
+              <a:t>‹#›</a:t>
             </a:fld>
             <a:endParaRPr lang="es-CO"/>
           </a:p>
@@ -1310,7 +1311,7 @@
           <a:p>
             <a:fld id="{B9A5D450-12D0-4731-90CD-E62819AFA113}" type="datetimeFigureOut">
               <a:rPr lang="es-CO" smtClean="0"/>
-              <a:t>2/06/2020</a:t>
+              <a:t>18/08/2021</a:t>
             </a:fld>
             <a:endParaRPr lang="es-CO"/>
           </a:p>
@@ -1364,7 +1365,7 @@
           <a:p>
             <a:fld id="{DA7C3136-02F7-461C-853A-7D23F2503AF7}" type="slidenum">
               <a:rPr lang="es-CO" smtClean="0"/>
-              <a:t>‹nº›</a:t>
+              <a:t>‹#›</a:t>
             </a:fld>
             <a:endParaRPr lang="es-CO"/>
           </a:p>
@@ -1586,7 +1587,7 @@
           <a:p>
             <a:fld id="{B9A5D450-12D0-4731-90CD-E62819AFA113}" type="datetimeFigureOut">
               <a:rPr lang="es-CO" smtClean="0"/>
-              <a:t>2/06/2020</a:t>
+              <a:t>18/08/2021</a:t>
             </a:fld>
             <a:endParaRPr lang="es-CO"/>
           </a:p>
@@ -1640,7 +1641,7 @@
           <a:p>
             <a:fld id="{DA7C3136-02F7-461C-853A-7D23F2503AF7}" type="slidenum">
               <a:rPr lang="es-CO" smtClean="0"/>
-              <a:t>‹nº›</a:t>
+              <a:t>‹#›</a:t>
             </a:fld>
             <a:endParaRPr lang="es-CO"/>
           </a:p>
@@ -1854,7 +1855,7 @@
           <a:p>
             <a:fld id="{B9A5D450-12D0-4731-90CD-E62819AFA113}" type="datetimeFigureOut">
               <a:rPr lang="es-CO" smtClean="0"/>
-              <a:t>2/06/2020</a:t>
+              <a:t>18/08/2021</a:t>
             </a:fld>
             <a:endParaRPr lang="es-CO"/>
           </a:p>
@@ -1908,7 +1909,7 @@
           <a:p>
             <a:fld id="{DA7C3136-02F7-461C-853A-7D23F2503AF7}" type="slidenum">
               <a:rPr lang="es-CO" smtClean="0"/>
-              <a:t>‹nº›</a:t>
+              <a:t>‹#›</a:t>
             </a:fld>
             <a:endParaRPr lang="es-CO"/>
           </a:p>
@@ -2269,7 +2270,7 @@
           <a:p>
             <a:fld id="{B9A5D450-12D0-4731-90CD-E62819AFA113}" type="datetimeFigureOut">
               <a:rPr lang="es-CO" smtClean="0"/>
-              <a:t>2/06/2020</a:t>
+              <a:t>18/08/2021</a:t>
             </a:fld>
             <a:endParaRPr lang="es-CO"/>
           </a:p>
@@ -2323,7 +2324,7 @@
           <a:p>
             <a:fld id="{DA7C3136-02F7-461C-853A-7D23F2503AF7}" type="slidenum">
               <a:rPr lang="es-CO" smtClean="0"/>
-              <a:t>‹nº›</a:t>
+              <a:t>‹#›</a:t>
             </a:fld>
             <a:endParaRPr lang="es-CO"/>
           </a:p>
@@ -2411,7 +2412,7 @@
           <a:p>
             <a:fld id="{B9A5D450-12D0-4731-90CD-E62819AFA113}" type="datetimeFigureOut">
               <a:rPr lang="es-CO" smtClean="0"/>
-              <a:t>2/06/2020</a:t>
+              <a:t>18/08/2021</a:t>
             </a:fld>
             <a:endParaRPr lang="es-CO"/>
           </a:p>
@@ -2465,7 +2466,7 @@
           <a:p>
             <a:fld id="{DA7C3136-02F7-461C-853A-7D23F2503AF7}" type="slidenum">
               <a:rPr lang="es-CO" smtClean="0"/>
-              <a:t>‹nº›</a:t>
+              <a:t>‹#›</a:t>
             </a:fld>
             <a:endParaRPr lang="es-CO"/>
           </a:p>
@@ -2524,7 +2525,7 @@
           <a:p>
             <a:fld id="{B9A5D450-12D0-4731-90CD-E62819AFA113}" type="datetimeFigureOut">
               <a:rPr lang="es-CO" smtClean="0"/>
-              <a:t>2/06/2020</a:t>
+              <a:t>18/08/2021</a:t>
             </a:fld>
             <a:endParaRPr lang="es-CO"/>
           </a:p>
@@ -2578,7 +2579,7 @@
           <a:p>
             <a:fld id="{DA7C3136-02F7-461C-853A-7D23F2503AF7}" type="slidenum">
               <a:rPr lang="es-CO" smtClean="0"/>
-              <a:t>‹nº›</a:t>
+              <a:t>‹#›</a:t>
             </a:fld>
             <a:endParaRPr lang="es-CO"/>
           </a:p>
@@ -2837,7 +2838,7 @@
           <a:p>
             <a:fld id="{B9A5D450-12D0-4731-90CD-E62819AFA113}" type="datetimeFigureOut">
               <a:rPr lang="es-CO" smtClean="0"/>
-              <a:t>2/06/2020</a:t>
+              <a:t>18/08/2021</a:t>
             </a:fld>
             <a:endParaRPr lang="es-CO"/>
           </a:p>
@@ -2891,7 +2892,7 @@
           <a:p>
             <a:fld id="{DA7C3136-02F7-461C-853A-7D23F2503AF7}" type="slidenum">
               <a:rPr lang="es-CO" smtClean="0"/>
-              <a:t>‹nº›</a:t>
+              <a:t>‹#›</a:t>
             </a:fld>
             <a:endParaRPr lang="es-CO"/>
           </a:p>
@@ -3126,7 +3127,7 @@
           <a:p>
             <a:fld id="{B9A5D450-12D0-4731-90CD-E62819AFA113}" type="datetimeFigureOut">
               <a:rPr lang="es-CO" smtClean="0"/>
-              <a:t>2/06/2020</a:t>
+              <a:t>18/08/2021</a:t>
             </a:fld>
             <a:endParaRPr lang="es-CO"/>
           </a:p>
@@ -3180,7 +3181,7 @@
           <a:p>
             <a:fld id="{DA7C3136-02F7-461C-853A-7D23F2503AF7}" type="slidenum">
               <a:rPr lang="es-CO" smtClean="0"/>
-              <a:t>‹nº›</a:t>
+              <a:t>‹#›</a:t>
             </a:fld>
             <a:endParaRPr lang="es-CO"/>
           </a:p>
@@ -3369,7 +3370,7 @@
           <a:p>
             <a:fld id="{B9A5D450-12D0-4731-90CD-E62819AFA113}" type="datetimeFigureOut">
               <a:rPr lang="es-CO" smtClean="0"/>
-              <a:t>2/06/2020</a:t>
+              <a:t>18/08/2021</a:t>
             </a:fld>
             <a:endParaRPr lang="es-CO"/>
           </a:p>
@@ -3459,7 +3460,7 @@
           <a:p>
             <a:fld id="{DA7C3136-02F7-461C-853A-7D23F2503AF7}" type="slidenum">
               <a:rPr lang="es-CO" smtClean="0"/>
-              <a:t>‹nº›</a:t>
+              <a:t>‹#›</a:t>
             </a:fld>
             <a:endParaRPr lang="es-CO"/>
           </a:p>
@@ -12105,6 +12106,1426 @@
     <p:extLst>
       <p:ext uri="{BB962C8B-B14F-4D97-AF65-F5344CB8AC3E}">
         <p14:creationId xmlns:p14="http://schemas.microsoft.com/office/powerpoint/2010/main" val="4062408382"/>
+      </p:ext>
+    </p:extLst>
+  </p:cSld>
+  <p:clrMapOvr>
+    <a:masterClrMapping/>
+  </p:clrMapOvr>
+</p:sld>
+</file>
+
+<file path=ppt/slides/slide4.xml><?xml version="1.0" encoding="utf-8"?>
+<p:sld xmlns:a="http://schemas.openxmlformats.org/drawingml/2006/main" xmlns:r="http://schemas.openxmlformats.org/officeDocument/2006/relationships" xmlns:p="http://schemas.openxmlformats.org/presentationml/2006/main">
+  <p:cSld>
+    <p:spTree>
+      <p:nvGrpSpPr>
+        <p:cNvPr id="1" name=""/>
+        <p:cNvGrpSpPr/>
+        <p:nvPr/>
+      </p:nvGrpSpPr>
+      <p:grpSpPr>
+        <a:xfrm>
+          <a:off x="0" y="0"/>
+          <a:ext cx="0" cy="0"/>
+          <a:chOff x="0" y="0"/>
+          <a:chExt cx="0" cy="0"/>
+        </a:xfrm>
+      </p:grpSpPr>
+      <p:grpSp>
+        <p:nvGrpSpPr>
+          <p:cNvPr id="48" name="Group 47">
+            <a:extLst>
+              <a:ext uri="{FF2B5EF4-FFF2-40B4-BE49-F238E27FC236}">
+                <a16:creationId xmlns:a16="http://schemas.microsoft.com/office/drawing/2014/main" id="{C0A669E6-D862-45F2-ADA7-E42BCBEBBE91}"/>
+              </a:ext>
+            </a:extLst>
+          </p:cNvPr>
+          <p:cNvGrpSpPr/>
+          <p:nvPr/>
+        </p:nvGrpSpPr>
+        <p:grpSpPr>
+          <a:xfrm>
+            <a:off x="3798102" y="2413577"/>
+            <a:ext cx="1959148" cy="1286400"/>
+            <a:chOff x="4722640" y="2465253"/>
+            <a:chExt cx="1959148" cy="1286400"/>
+          </a:xfrm>
+        </p:grpSpPr>
+        <p:pic>
+          <p:nvPicPr>
+            <p:cNvPr id="1030" name="Picture 6">
+              <a:extLst>
+                <a:ext uri="{FF2B5EF4-FFF2-40B4-BE49-F238E27FC236}">
+                  <a16:creationId xmlns:a16="http://schemas.microsoft.com/office/drawing/2014/main" id="{F20C67CD-51BD-4FC5-B850-CDA7D7C5013E}"/>
+                </a:ext>
+              </a:extLst>
+            </p:cNvPr>
+            <p:cNvPicPr>
+              <a:picLocks noChangeAspect="1" noChangeArrowheads="1"/>
+            </p:cNvPicPr>
+            <p:nvPr/>
+          </p:nvPicPr>
+          <p:blipFill>
+            <a:blip r:embed="rId2">
+              <a:extLst>
+                <a:ext uri="{28A0092B-C50C-407E-A947-70E740481C1C}">
+                  <a14:useLocalDpi xmlns:a14="http://schemas.microsoft.com/office/drawing/2010/main" val="0"/>
+                </a:ext>
+              </a:extLst>
+            </a:blip>
+            <a:srcRect/>
+            <a:stretch>
+              <a:fillRect/>
+            </a:stretch>
+          </p:blipFill>
+          <p:spPr bwMode="auto">
+            <a:xfrm>
+              <a:off x="4722640" y="2465253"/>
+              <a:ext cx="1909571" cy="1286400"/>
+            </a:xfrm>
+            <a:prstGeom prst="rect">
+              <a:avLst/>
+            </a:prstGeom>
+            <a:noFill/>
+            <a:extLst>
+              <a:ext uri="{909E8E84-426E-40DD-AFC4-6F175D3DCCD1}">
+                <a14:hiddenFill xmlns:a14="http://schemas.microsoft.com/office/drawing/2010/main">
+                  <a:solidFill>
+                    <a:srgbClr val="FFFFFF"/>
+                  </a:solidFill>
+                </a14:hiddenFill>
+              </a:ext>
+            </a:extLst>
+          </p:spPr>
+        </p:pic>
+        <p:grpSp>
+          <p:nvGrpSpPr>
+            <p:cNvPr id="45" name="Group 44">
+              <a:extLst>
+                <a:ext uri="{FF2B5EF4-FFF2-40B4-BE49-F238E27FC236}">
+                  <a16:creationId xmlns:a16="http://schemas.microsoft.com/office/drawing/2014/main" id="{74AAAE01-0A02-48ED-96C6-20D45D843FAF}"/>
+                </a:ext>
+              </a:extLst>
+            </p:cNvPr>
+            <p:cNvGrpSpPr/>
+            <p:nvPr/>
+          </p:nvGrpSpPr>
+          <p:grpSpPr>
+            <a:xfrm>
+              <a:off x="4923735" y="2962594"/>
+              <a:ext cx="353146" cy="561703"/>
+              <a:chOff x="4053841" y="2990853"/>
+              <a:chExt cx="353146" cy="561703"/>
+            </a:xfrm>
+          </p:grpSpPr>
+          <p:sp>
+            <p:nvSpPr>
+              <p:cNvPr id="42" name="Oval 41">
+                <a:extLst>
+                  <a:ext uri="{FF2B5EF4-FFF2-40B4-BE49-F238E27FC236}">
+                    <a16:creationId xmlns:a16="http://schemas.microsoft.com/office/drawing/2014/main" id="{7AA3EBA3-B8D5-420D-936C-6635B61FBD58}"/>
+                  </a:ext>
+                </a:extLst>
+              </p:cNvPr>
+              <p:cNvSpPr/>
+              <p:nvPr/>
+            </p:nvSpPr>
+            <p:spPr>
+              <a:xfrm>
+                <a:off x="4053841" y="2990853"/>
+                <a:ext cx="353146" cy="353146"/>
+              </a:xfrm>
+              <a:prstGeom prst="ellipse">
+                <a:avLst/>
+              </a:prstGeom>
+              <a:ln w="76200"/>
+            </p:spPr>
+            <p:style>
+              <a:lnRef idx="2">
+                <a:schemeClr val="accent3">
+                  <a:shade val="50000"/>
+                </a:schemeClr>
+              </a:lnRef>
+              <a:fillRef idx="1">
+                <a:schemeClr val="accent3"/>
+              </a:fillRef>
+              <a:effectRef idx="0">
+                <a:schemeClr val="accent3"/>
+              </a:effectRef>
+              <a:fontRef idx="minor">
+                <a:schemeClr val="lt1"/>
+              </a:fontRef>
+            </p:style>
+            <p:txBody>
+              <a:bodyPr rtlCol="0" anchor="ctr"/>
+              <a:lstStyle/>
+              <a:p>
+                <a:pPr algn="ctr"/>
+                <a:endParaRPr lang="es-CO"/>
+              </a:p>
+            </p:txBody>
+          </p:sp>
+          <p:sp>
+            <p:nvSpPr>
+              <p:cNvPr id="43" name="Rectangle 42">
+                <a:extLst>
+                  <a:ext uri="{FF2B5EF4-FFF2-40B4-BE49-F238E27FC236}">
+                    <a16:creationId xmlns:a16="http://schemas.microsoft.com/office/drawing/2014/main" id="{155E53A3-9EA6-48B8-9C40-EC6AB8D4F2DD}"/>
+                  </a:ext>
+                </a:extLst>
+              </p:cNvPr>
+              <p:cNvSpPr/>
+              <p:nvPr/>
+            </p:nvSpPr>
+            <p:spPr>
+              <a:xfrm>
+                <a:off x="4053841" y="3182014"/>
+                <a:ext cx="353146" cy="370542"/>
+              </a:xfrm>
+              <a:prstGeom prst="rect">
+                <a:avLst/>
+              </a:prstGeom>
+              <a:ln w="76200"/>
+            </p:spPr>
+            <p:style>
+              <a:lnRef idx="2">
+                <a:schemeClr val="accent3">
+                  <a:shade val="50000"/>
+                </a:schemeClr>
+              </a:lnRef>
+              <a:fillRef idx="1">
+                <a:schemeClr val="accent3"/>
+              </a:fillRef>
+              <a:effectRef idx="0">
+                <a:schemeClr val="accent3"/>
+              </a:effectRef>
+              <a:fontRef idx="minor">
+                <a:schemeClr val="lt1"/>
+              </a:fontRef>
+            </p:style>
+            <p:txBody>
+              <a:bodyPr rtlCol="0" anchor="ctr"/>
+              <a:lstStyle/>
+              <a:p>
+                <a:pPr algn="ctr"/>
+                <a:endParaRPr lang="es-CO" dirty="0"/>
+              </a:p>
+            </p:txBody>
+          </p:sp>
+          <p:sp>
+            <p:nvSpPr>
+              <p:cNvPr id="44" name="Rectangle 43">
+                <a:extLst>
+                  <a:ext uri="{FF2B5EF4-FFF2-40B4-BE49-F238E27FC236}">
+                    <a16:creationId xmlns:a16="http://schemas.microsoft.com/office/drawing/2014/main" id="{FF106F6F-E1FB-48FD-849C-4B1B5499685F}"/>
+                  </a:ext>
+                </a:extLst>
+              </p:cNvPr>
+              <p:cNvSpPr/>
+              <p:nvPr/>
+            </p:nvSpPr>
+            <p:spPr>
+              <a:xfrm>
+                <a:off x="4094751" y="3143935"/>
+                <a:ext cx="271324" cy="408621"/>
+              </a:xfrm>
+              <a:prstGeom prst="rect">
+                <a:avLst/>
+              </a:prstGeom>
+              <a:ln w="19050">
+                <a:noFill/>
+              </a:ln>
+            </p:spPr>
+            <p:style>
+              <a:lnRef idx="2">
+                <a:schemeClr val="accent3">
+                  <a:shade val="50000"/>
+                </a:schemeClr>
+              </a:lnRef>
+              <a:fillRef idx="1">
+                <a:schemeClr val="accent3"/>
+              </a:fillRef>
+              <a:effectRef idx="0">
+                <a:schemeClr val="accent3"/>
+              </a:effectRef>
+              <a:fontRef idx="minor">
+                <a:schemeClr val="lt1"/>
+              </a:fontRef>
+            </p:style>
+            <p:txBody>
+              <a:bodyPr rtlCol="0" anchor="ctr"/>
+              <a:lstStyle/>
+              <a:p>
+                <a:pPr algn="ctr"/>
+                <a:endParaRPr lang="es-CO" dirty="0"/>
+              </a:p>
+            </p:txBody>
+          </p:sp>
+        </p:grpSp>
+        <p:sp>
+          <p:nvSpPr>
+            <p:cNvPr id="46" name="Rectangle 45">
+              <a:extLst>
+                <a:ext uri="{FF2B5EF4-FFF2-40B4-BE49-F238E27FC236}">
+                  <a16:creationId xmlns:a16="http://schemas.microsoft.com/office/drawing/2014/main" id="{4124071A-9B58-4090-BBBA-3BA94E97F967}"/>
+                </a:ext>
+              </a:extLst>
+            </p:cNvPr>
+            <p:cNvSpPr/>
+            <p:nvPr/>
+          </p:nvSpPr>
+          <p:spPr>
+            <a:xfrm flipV="1">
+              <a:off x="4772217" y="3575072"/>
+              <a:ext cx="1909571" cy="45720"/>
+            </a:xfrm>
+            <a:prstGeom prst="rect">
+              <a:avLst/>
+            </a:prstGeom>
+            <a:ln w="76200"/>
+          </p:spPr>
+          <p:style>
+            <a:lnRef idx="2">
+              <a:schemeClr val="accent3">
+                <a:shade val="50000"/>
+              </a:schemeClr>
+            </a:lnRef>
+            <a:fillRef idx="1">
+              <a:schemeClr val="accent3"/>
+            </a:fillRef>
+            <a:effectRef idx="0">
+              <a:schemeClr val="accent3"/>
+            </a:effectRef>
+            <a:fontRef idx="minor">
+              <a:schemeClr val="lt1"/>
+            </a:fontRef>
+          </p:style>
+          <p:txBody>
+            <a:bodyPr rtlCol="0" anchor="ctr"/>
+            <a:lstStyle/>
+            <a:p>
+              <a:pPr algn="ctr"/>
+              <a:endParaRPr lang="es-CO" dirty="0"/>
+            </a:p>
+          </p:txBody>
+        </p:sp>
+      </p:grpSp>
+      <p:sp>
+        <p:nvSpPr>
+          <p:cNvPr id="33" name="Rectangle 32">
+            <a:extLst>
+              <a:ext uri="{FF2B5EF4-FFF2-40B4-BE49-F238E27FC236}">
+                <a16:creationId xmlns:a16="http://schemas.microsoft.com/office/drawing/2014/main" id="{4A4B8938-23A2-45E5-8A9E-F8787F740109}"/>
+              </a:ext>
+            </a:extLst>
+          </p:cNvPr>
+          <p:cNvSpPr/>
+          <p:nvPr/>
+        </p:nvSpPr>
+        <p:spPr>
+          <a:xfrm>
+            <a:off x="2912117" y="2927478"/>
+            <a:ext cx="752336" cy="180975"/>
+          </a:xfrm>
+          <a:prstGeom prst="rect">
+            <a:avLst/>
+          </a:prstGeom>
+          <a:ln w="19050">
+            <a:noFill/>
+          </a:ln>
+        </p:spPr>
+        <p:style>
+          <a:lnRef idx="2">
+            <a:schemeClr val="accent3">
+              <a:shade val="50000"/>
+            </a:schemeClr>
+          </a:lnRef>
+          <a:fillRef idx="1">
+            <a:schemeClr val="accent3"/>
+          </a:fillRef>
+          <a:effectRef idx="0">
+            <a:schemeClr val="accent3"/>
+          </a:effectRef>
+          <a:fontRef idx="minor">
+            <a:schemeClr val="lt1"/>
+          </a:fontRef>
+        </p:style>
+        <p:txBody>
+          <a:bodyPr rtlCol="0" anchor="ctr"/>
+          <a:lstStyle/>
+          <a:p>
+            <a:pPr algn="ctr"/>
+            <a:endParaRPr lang="es-CO" dirty="0"/>
+          </a:p>
+        </p:txBody>
+      </p:sp>
+      <p:sp>
+        <p:nvSpPr>
+          <p:cNvPr id="34" name="Oval 33">
+            <a:extLst>
+              <a:ext uri="{FF2B5EF4-FFF2-40B4-BE49-F238E27FC236}">
+                <a16:creationId xmlns:a16="http://schemas.microsoft.com/office/drawing/2014/main" id="{E080C888-A0C5-4E7E-87F0-DA1360B1209B}"/>
+              </a:ext>
+            </a:extLst>
+          </p:cNvPr>
+          <p:cNvSpPr/>
+          <p:nvPr/>
+        </p:nvSpPr>
+        <p:spPr>
+          <a:xfrm>
+            <a:off x="3231205" y="2927480"/>
+            <a:ext cx="180974" cy="180974"/>
+          </a:xfrm>
+          <a:prstGeom prst="ellipse">
+            <a:avLst/>
+          </a:prstGeom>
+          <a:ln w="19050">
+            <a:noFill/>
+          </a:ln>
+        </p:spPr>
+        <p:style>
+          <a:lnRef idx="2">
+            <a:schemeClr val="accent3">
+              <a:shade val="50000"/>
+            </a:schemeClr>
+          </a:lnRef>
+          <a:fillRef idx="1">
+            <a:schemeClr val="accent3"/>
+          </a:fillRef>
+          <a:effectRef idx="0">
+            <a:schemeClr val="accent3"/>
+          </a:effectRef>
+          <a:fontRef idx="minor">
+            <a:schemeClr val="lt1"/>
+          </a:fontRef>
+        </p:style>
+        <p:txBody>
+          <a:bodyPr rtlCol="0" anchor="ctr"/>
+          <a:lstStyle/>
+          <a:p>
+            <a:pPr algn="ctr"/>
+            <a:endParaRPr lang="es-CO"/>
+          </a:p>
+        </p:txBody>
+      </p:sp>
+      <p:sp>
+        <p:nvSpPr>
+          <p:cNvPr id="35" name="Oval 34">
+            <a:extLst>
+              <a:ext uri="{FF2B5EF4-FFF2-40B4-BE49-F238E27FC236}">
+                <a16:creationId xmlns:a16="http://schemas.microsoft.com/office/drawing/2014/main" id="{FF8B114D-6C92-4818-87F7-8AB4DCF843DD}"/>
+              </a:ext>
+            </a:extLst>
+          </p:cNvPr>
+          <p:cNvSpPr/>
+          <p:nvPr/>
+        </p:nvSpPr>
+        <p:spPr>
+          <a:xfrm>
+            <a:off x="3573966" y="2927480"/>
+            <a:ext cx="180974" cy="180974"/>
+          </a:xfrm>
+          <a:prstGeom prst="ellipse">
+            <a:avLst/>
+          </a:prstGeom>
+          <a:ln w="19050">
+            <a:noFill/>
+          </a:ln>
+        </p:spPr>
+        <p:style>
+          <a:lnRef idx="2">
+            <a:schemeClr val="accent3">
+              <a:shade val="50000"/>
+            </a:schemeClr>
+          </a:lnRef>
+          <a:fillRef idx="1">
+            <a:schemeClr val="accent3"/>
+          </a:fillRef>
+          <a:effectRef idx="0">
+            <a:schemeClr val="accent3"/>
+          </a:effectRef>
+          <a:fontRef idx="minor">
+            <a:schemeClr val="lt1"/>
+          </a:fontRef>
+        </p:style>
+        <p:txBody>
+          <a:bodyPr rtlCol="0" anchor="ctr"/>
+          <a:lstStyle/>
+          <a:p>
+            <a:pPr algn="ctr"/>
+            <a:endParaRPr lang="es-CO"/>
+          </a:p>
+        </p:txBody>
+      </p:sp>
+      <p:sp>
+        <p:nvSpPr>
+          <p:cNvPr id="2" name="Rectangle 1">
+            <a:extLst>
+              <a:ext uri="{FF2B5EF4-FFF2-40B4-BE49-F238E27FC236}">
+                <a16:creationId xmlns:a16="http://schemas.microsoft.com/office/drawing/2014/main" id="{434F782C-86AF-4CA5-978D-99E73F45513C}"/>
+              </a:ext>
+            </a:extLst>
+          </p:cNvPr>
+          <p:cNvSpPr/>
+          <p:nvPr/>
+        </p:nvSpPr>
+        <p:spPr>
+          <a:xfrm>
+            <a:off x="2353901" y="2452688"/>
+            <a:ext cx="1086416" cy="1284979"/>
+          </a:xfrm>
+          <a:prstGeom prst="rect">
+            <a:avLst/>
+          </a:prstGeom>
+          <a:ln w="76200"/>
+        </p:spPr>
+        <p:style>
+          <a:lnRef idx="2">
+            <a:schemeClr val="accent3">
+              <a:shade val="50000"/>
+            </a:schemeClr>
+          </a:lnRef>
+          <a:fillRef idx="1">
+            <a:schemeClr val="accent3"/>
+          </a:fillRef>
+          <a:effectRef idx="0">
+            <a:schemeClr val="accent3"/>
+          </a:effectRef>
+          <a:fontRef idx="minor">
+            <a:schemeClr val="lt1"/>
+          </a:fontRef>
+        </p:style>
+        <p:txBody>
+          <a:bodyPr rtlCol="0" anchor="ctr"/>
+          <a:lstStyle/>
+          <a:p>
+            <a:pPr algn="ctr"/>
+            <a:endParaRPr lang="es-CO" dirty="0"/>
+          </a:p>
+        </p:txBody>
+      </p:sp>
+      <p:sp>
+        <p:nvSpPr>
+          <p:cNvPr id="3" name="Rectangle 2">
+            <a:extLst>
+              <a:ext uri="{FF2B5EF4-FFF2-40B4-BE49-F238E27FC236}">
+                <a16:creationId xmlns:a16="http://schemas.microsoft.com/office/drawing/2014/main" id="{2357489D-6AF1-4C94-B6D5-AEF9745F63CA}"/>
+              </a:ext>
+            </a:extLst>
+          </p:cNvPr>
+          <p:cNvSpPr/>
+          <p:nvPr/>
+        </p:nvSpPr>
+        <p:spPr>
+          <a:xfrm>
+            <a:off x="2706986" y="3737667"/>
+            <a:ext cx="380246" cy="580836"/>
+          </a:xfrm>
+          <a:prstGeom prst="rect">
+            <a:avLst/>
+          </a:prstGeom>
+          <a:ln w="76200"/>
+        </p:spPr>
+        <p:style>
+          <a:lnRef idx="2">
+            <a:schemeClr val="accent3">
+              <a:shade val="50000"/>
+            </a:schemeClr>
+          </a:lnRef>
+          <a:fillRef idx="1">
+            <a:schemeClr val="accent3"/>
+          </a:fillRef>
+          <a:effectRef idx="0">
+            <a:schemeClr val="accent3"/>
+          </a:effectRef>
+          <a:fontRef idx="minor">
+            <a:schemeClr val="lt1"/>
+          </a:fontRef>
+        </p:style>
+        <p:txBody>
+          <a:bodyPr rtlCol="0" anchor="ctr"/>
+          <a:lstStyle/>
+          <a:p>
+            <a:pPr algn="ctr"/>
+            <a:endParaRPr lang="es-CO" dirty="0"/>
+          </a:p>
+        </p:txBody>
+      </p:sp>
+      <p:sp>
+        <p:nvSpPr>
+          <p:cNvPr id="4" name="Rectangle 3">
+            <a:extLst>
+              <a:ext uri="{FF2B5EF4-FFF2-40B4-BE49-F238E27FC236}">
+                <a16:creationId xmlns:a16="http://schemas.microsoft.com/office/drawing/2014/main" id="{8F10F501-100F-434E-9D72-0015FB399AFA}"/>
+              </a:ext>
+            </a:extLst>
+          </p:cNvPr>
+          <p:cNvSpPr/>
+          <p:nvPr/>
+        </p:nvSpPr>
+        <p:spPr>
+          <a:xfrm>
+            <a:off x="2583557" y="4294357"/>
+            <a:ext cx="3060006" cy="45719"/>
+          </a:xfrm>
+          <a:prstGeom prst="rect">
+            <a:avLst/>
+          </a:prstGeom>
+          <a:ln w="76200"/>
+        </p:spPr>
+        <p:style>
+          <a:lnRef idx="2">
+            <a:schemeClr val="accent3">
+              <a:shade val="50000"/>
+            </a:schemeClr>
+          </a:lnRef>
+          <a:fillRef idx="1">
+            <a:schemeClr val="accent3"/>
+          </a:fillRef>
+          <a:effectRef idx="0">
+            <a:schemeClr val="accent3"/>
+          </a:effectRef>
+          <a:fontRef idx="minor">
+            <a:schemeClr val="lt1"/>
+          </a:fontRef>
+        </p:style>
+        <p:txBody>
+          <a:bodyPr rtlCol="0" anchor="ctr"/>
+          <a:lstStyle/>
+          <a:p>
+            <a:pPr algn="ctr"/>
+            <a:endParaRPr lang="es-CO" dirty="0"/>
+          </a:p>
+        </p:txBody>
+      </p:sp>
+      <p:sp>
+        <p:nvSpPr>
+          <p:cNvPr id="5" name="Rectangle 4">
+            <a:extLst>
+              <a:ext uri="{FF2B5EF4-FFF2-40B4-BE49-F238E27FC236}">
+                <a16:creationId xmlns:a16="http://schemas.microsoft.com/office/drawing/2014/main" id="{FD72CF3D-FE4D-4B60-9031-4F7EB2B74E3F}"/>
+              </a:ext>
+            </a:extLst>
+          </p:cNvPr>
+          <p:cNvSpPr/>
+          <p:nvPr/>
+        </p:nvSpPr>
+        <p:spPr>
+          <a:xfrm>
+            <a:off x="2636822" y="2671885"/>
+            <a:ext cx="520574" cy="492798"/>
+          </a:xfrm>
+          <a:prstGeom prst="rect">
+            <a:avLst/>
+          </a:prstGeom>
+          <a:solidFill>
+            <a:srgbClr val="787878"/>
+          </a:solidFill>
+          <a:ln w="19050">
+            <a:solidFill>
+              <a:schemeClr val="tx1">
+                <a:lumMod val="50000"/>
+                <a:lumOff val="50000"/>
+              </a:schemeClr>
+            </a:solidFill>
+          </a:ln>
+        </p:spPr>
+        <p:style>
+          <a:lnRef idx="2">
+            <a:schemeClr val="accent3">
+              <a:shade val="50000"/>
+            </a:schemeClr>
+          </a:lnRef>
+          <a:fillRef idx="1">
+            <a:schemeClr val="accent3"/>
+          </a:fillRef>
+          <a:effectRef idx="0">
+            <a:schemeClr val="accent3"/>
+          </a:effectRef>
+          <a:fontRef idx="minor">
+            <a:schemeClr val="lt1"/>
+          </a:fontRef>
+        </p:style>
+        <p:txBody>
+          <a:bodyPr rtlCol="0" anchor="ctr"/>
+          <a:lstStyle/>
+          <a:p>
+            <a:pPr algn="ctr"/>
+            <a:endParaRPr lang="es-CO" dirty="0"/>
+          </a:p>
+        </p:txBody>
+      </p:sp>
+      <p:sp>
+        <p:nvSpPr>
+          <p:cNvPr id="7" name="Rectangle 6">
+            <a:extLst>
+              <a:ext uri="{FF2B5EF4-FFF2-40B4-BE49-F238E27FC236}">
+                <a16:creationId xmlns:a16="http://schemas.microsoft.com/office/drawing/2014/main" id="{18163885-A922-4CDC-92ED-907C91C6A61F}"/>
+              </a:ext>
+            </a:extLst>
+          </p:cNvPr>
+          <p:cNvSpPr/>
+          <p:nvPr/>
+        </p:nvSpPr>
+        <p:spPr>
+          <a:xfrm flipV="1">
+            <a:off x="2562129" y="3416348"/>
+            <a:ext cx="437584" cy="45719"/>
+          </a:xfrm>
+          <a:prstGeom prst="rect">
+            <a:avLst/>
+          </a:prstGeom>
+          <a:solidFill>
+            <a:srgbClr val="787878"/>
+          </a:solidFill>
+          <a:ln w="76200">
+            <a:noFill/>
+          </a:ln>
+        </p:spPr>
+        <p:style>
+          <a:lnRef idx="2">
+            <a:schemeClr val="accent3">
+              <a:shade val="50000"/>
+            </a:schemeClr>
+          </a:lnRef>
+          <a:fillRef idx="1">
+            <a:schemeClr val="accent3"/>
+          </a:fillRef>
+          <a:effectRef idx="0">
+            <a:schemeClr val="accent3"/>
+          </a:effectRef>
+          <a:fontRef idx="minor">
+            <a:schemeClr val="lt1"/>
+          </a:fontRef>
+        </p:style>
+        <p:txBody>
+          <a:bodyPr rtlCol="0" anchor="ctr"/>
+          <a:lstStyle/>
+          <a:p>
+            <a:pPr algn="ctr"/>
+            <a:endParaRPr lang="es-CO" dirty="0"/>
+          </a:p>
+        </p:txBody>
+      </p:sp>
+      <p:sp>
+        <p:nvSpPr>
+          <p:cNvPr id="6" name="Rectangle 5">
+            <a:extLst>
+              <a:ext uri="{FF2B5EF4-FFF2-40B4-BE49-F238E27FC236}">
+                <a16:creationId xmlns:a16="http://schemas.microsoft.com/office/drawing/2014/main" id="{522F5458-B755-4460-AEB9-4629B432BEC5}"/>
+              </a:ext>
+            </a:extLst>
+          </p:cNvPr>
+          <p:cNvSpPr/>
+          <p:nvPr/>
+        </p:nvSpPr>
+        <p:spPr>
+          <a:xfrm>
+            <a:off x="2636822" y="3317450"/>
+            <a:ext cx="520574" cy="229346"/>
+          </a:xfrm>
+          <a:prstGeom prst="rect">
+            <a:avLst/>
+          </a:prstGeom>
+          <a:solidFill>
+            <a:schemeClr val="tx1"/>
+          </a:solidFill>
+          <a:ln w="76200">
+            <a:noFill/>
+          </a:ln>
+        </p:spPr>
+        <p:style>
+          <a:lnRef idx="2">
+            <a:schemeClr val="accent3">
+              <a:shade val="50000"/>
+            </a:schemeClr>
+          </a:lnRef>
+          <a:fillRef idx="1">
+            <a:schemeClr val="accent3"/>
+          </a:fillRef>
+          <a:effectRef idx="0">
+            <a:schemeClr val="accent3"/>
+          </a:effectRef>
+          <a:fontRef idx="minor">
+            <a:schemeClr val="lt1"/>
+          </a:fontRef>
+        </p:style>
+        <p:txBody>
+          <a:bodyPr rtlCol="0" anchor="ctr"/>
+          <a:lstStyle/>
+          <a:p>
+            <a:pPr algn="ctr"/>
+            <a:endParaRPr lang="es-CO" dirty="0"/>
+          </a:p>
+        </p:txBody>
+      </p:sp>
+      <p:sp>
+        <p:nvSpPr>
+          <p:cNvPr id="11" name="Rectangle 10">
+            <a:extLst>
+              <a:ext uri="{FF2B5EF4-FFF2-40B4-BE49-F238E27FC236}">
+                <a16:creationId xmlns:a16="http://schemas.microsoft.com/office/drawing/2014/main" id="{0CEB5018-E9BB-45D0-8EC0-30239BD737C4}"/>
+              </a:ext>
+            </a:extLst>
+          </p:cNvPr>
+          <p:cNvSpPr/>
+          <p:nvPr/>
+        </p:nvSpPr>
+        <p:spPr>
+          <a:xfrm flipV="1">
+            <a:off x="2514405" y="3398935"/>
+            <a:ext cx="69152" cy="80544"/>
+          </a:xfrm>
+          <a:prstGeom prst="rect">
+            <a:avLst/>
+          </a:prstGeom>
+          <a:solidFill>
+            <a:srgbClr val="787878"/>
+          </a:solidFill>
+          <a:ln w="76200">
+            <a:noFill/>
+          </a:ln>
+        </p:spPr>
+        <p:style>
+          <a:lnRef idx="2">
+            <a:schemeClr val="accent3">
+              <a:shade val="50000"/>
+            </a:schemeClr>
+          </a:lnRef>
+          <a:fillRef idx="1">
+            <a:schemeClr val="accent3"/>
+          </a:fillRef>
+          <a:effectRef idx="0">
+            <a:schemeClr val="accent3"/>
+          </a:effectRef>
+          <a:fontRef idx="minor">
+            <a:schemeClr val="lt1"/>
+          </a:fontRef>
+        </p:style>
+        <p:txBody>
+          <a:bodyPr rtlCol="0" anchor="ctr"/>
+          <a:lstStyle/>
+          <a:p>
+            <a:pPr algn="ctr"/>
+            <a:endParaRPr lang="es-CO" dirty="0"/>
+          </a:p>
+        </p:txBody>
+      </p:sp>
+      <p:sp>
+        <p:nvSpPr>
+          <p:cNvPr id="12" name="Rectangle 11">
+            <a:extLst>
+              <a:ext uri="{FF2B5EF4-FFF2-40B4-BE49-F238E27FC236}">
+                <a16:creationId xmlns:a16="http://schemas.microsoft.com/office/drawing/2014/main" id="{D7B9B6F0-03F3-434D-B722-828F01966F65}"/>
+              </a:ext>
+            </a:extLst>
+          </p:cNvPr>
+          <p:cNvSpPr/>
+          <p:nvPr/>
+        </p:nvSpPr>
+        <p:spPr>
+          <a:xfrm>
+            <a:off x="2343337" y="2993300"/>
+            <a:ext cx="1086416" cy="63477"/>
+          </a:xfrm>
+          <a:prstGeom prst="rect">
+            <a:avLst/>
+          </a:prstGeom>
+          <a:solidFill>
+            <a:srgbClr val="787878"/>
+          </a:solidFill>
+          <a:ln w="76200">
+            <a:noFill/>
+          </a:ln>
+        </p:spPr>
+        <p:style>
+          <a:lnRef idx="2">
+            <a:schemeClr val="accent3">
+              <a:shade val="50000"/>
+            </a:schemeClr>
+          </a:lnRef>
+          <a:fillRef idx="1">
+            <a:schemeClr val="accent3"/>
+          </a:fillRef>
+          <a:effectRef idx="0">
+            <a:schemeClr val="accent3"/>
+          </a:effectRef>
+          <a:fontRef idx="minor">
+            <a:schemeClr val="lt1"/>
+          </a:fontRef>
+        </p:style>
+        <p:txBody>
+          <a:bodyPr rtlCol="0" anchor="ctr"/>
+          <a:lstStyle/>
+          <a:p>
+            <a:pPr algn="ctr"/>
+            <a:endParaRPr lang="es-CO" dirty="0"/>
+          </a:p>
+        </p:txBody>
+      </p:sp>
+      <p:cxnSp>
+        <p:nvCxnSpPr>
+          <p:cNvPr id="16" name="Straight Connector 15">
+            <a:extLst>
+              <a:ext uri="{FF2B5EF4-FFF2-40B4-BE49-F238E27FC236}">
+                <a16:creationId xmlns:a16="http://schemas.microsoft.com/office/drawing/2014/main" id="{9B02242D-D703-41E1-AE8D-63DE6A3EDB65}"/>
+              </a:ext>
+            </a:extLst>
+          </p:cNvPr>
+          <p:cNvCxnSpPr>
+            <a:cxnSpLocks/>
+          </p:cNvCxnSpPr>
+          <p:nvPr/>
+        </p:nvCxnSpPr>
+        <p:spPr>
+          <a:xfrm>
+            <a:off x="2695481" y="3397293"/>
+            <a:ext cx="296878" cy="0"/>
+          </a:xfrm>
+          <a:prstGeom prst="line">
+            <a:avLst/>
+          </a:prstGeom>
+          <a:ln w="19050">
+            <a:solidFill>
+              <a:srgbClr val="AFABAB"/>
+            </a:solidFill>
+          </a:ln>
+        </p:spPr>
+        <p:style>
+          <a:lnRef idx="1">
+            <a:schemeClr val="accent1"/>
+          </a:lnRef>
+          <a:fillRef idx="0">
+            <a:schemeClr val="accent1"/>
+          </a:fillRef>
+          <a:effectRef idx="0">
+            <a:schemeClr val="accent1"/>
+          </a:effectRef>
+          <a:fontRef idx="minor">
+            <a:schemeClr val="tx1"/>
+          </a:fontRef>
+        </p:style>
+      </p:cxnSp>
+      <p:cxnSp>
+        <p:nvCxnSpPr>
+          <p:cNvPr id="20" name="Straight Connector 19">
+            <a:extLst>
+              <a:ext uri="{FF2B5EF4-FFF2-40B4-BE49-F238E27FC236}">
+                <a16:creationId xmlns:a16="http://schemas.microsoft.com/office/drawing/2014/main" id="{6826DA2F-EC98-46B6-8117-3B045DAD5D44}"/>
+              </a:ext>
+            </a:extLst>
+          </p:cNvPr>
+          <p:cNvCxnSpPr>
+            <a:cxnSpLocks/>
+          </p:cNvCxnSpPr>
+          <p:nvPr/>
+        </p:nvCxnSpPr>
+        <p:spPr>
+          <a:xfrm>
+            <a:off x="2695481" y="3439207"/>
+            <a:ext cx="296878" cy="0"/>
+          </a:xfrm>
+          <a:prstGeom prst="line">
+            <a:avLst/>
+          </a:prstGeom>
+          <a:ln w="19050">
+            <a:solidFill>
+              <a:srgbClr val="AFABAB"/>
+            </a:solidFill>
+          </a:ln>
+        </p:spPr>
+        <p:style>
+          <a:lnRef idx="1">
+            <a:schemeClr val="accent1"/>
+          </a:lnRef>
+          <a:fillRef idx="0">
+            <a:schemeClr val="accent1"/>
+          </a:fillRef>
+          <a:effectRef idx="0">
+            <a:schemeClr val="accent1"/>
+          </a:effectRef>
+          <a:fontRef idx="minor">
+            <a:schemeClr val="tx1"/>
+          </a:fontRef>
+        </p:style>
+      </p:cxnSp>
+      <p:sp>
+        <p:nvSpPr>
+          <p:cNvPr id="26" name="Oval 25">
+            <a:extLst>
+              <a:ext uri="{FF2B5EF4-FFF2-40B4-BE49-F238E27FC236}">
+                <a16:creationId xmlns:a16="http://schemas.microsoft.com/office/drawing/2014/main" id="{B1AAA1F2-65E1-4DED-AB50-F912D5B8E0EF}"/>
+              </a:ext>
+            </a:extLst>
+          </p:cNvPr>
+          <p:cNvSpPr/>
+          <p:nvPr/>
+        </p:nvSpPr>
+        <p:spPr>
+          <a:xfrm>
+            <a:off x="4074028" y="3286125"/>
+            <a:ext cx="353146" cy="353146"/>
+          </a:xfrm>
+          <a:prstGeom prst="ellipse">
+            <a:avLst/>
+          </a:prstGeom>
+          <a:ln w="76200"/>
+        </p:spPr>
+        <p:style>
+          <a:lnRef idx="2">
+            <a:schemeClr val="accent3">
+              <a:shade val="50000"/>
+            </a:schemeClr>
+          </a:lnRef>
+          <a:fillRef idx="1">
+            <a:schemeClr val="accent3"/>
+          </a:fillRef>
+          <a:effectRef idx="0">
+            <a:schemeClr val="accent3"/>
+          </a:effectRef>
+          <a:fontRef idx="minor">
+            <a:schemeClr val="lt1"/>
+          </a:fontRef>
+        </p:style>
+        <p:txBody>
+          <a:bodyPr rtlCol="0" anchor="ctr"/>
+          <a:lstStyle/>
+          <a:p>
+            <a:pPr algn="ctr"/>
+            <a:endParaRPr lang="es-CO"/>
+          </a:p>
+        </p:txBody>
+      </p:sp>
+      <p:sp>
+        <p:nvSpPr>
+          <p:cNvPr id="23" name="Rectangle 22">
+            <a:extLst>
+              <a:ext uri="{FF2B5EF4-FFF2-40B4-BE49-F238E27FC236}">
+                <a16:creationId xmlns:a16="http://schemas.microsoft.com/office/drawing/2014/main" id="{7FADD5DD-8F8A-433A-A070-36BD14B659BD}"/>
+              </a:ext>
+            </a:extLst>
+          </p:cNvPr>
+          <p:cNvSpPr/>
+          <p:nvPr/>
+        </p:nvSpPr>
+        <p:spPr>
+          <a:xfrm>
+            <a:off x="4074028" y="3477286"/>
+            <a:ext cx="353146" cy="817072"/>
+          </a:xfrm>
+          <a:prstGeom prst="rect">
+            <a:avLst/>
+          </a:prstGeom>
+          <a:ln w="76200"/>
+        </p:spPr>
+        <p:style>
+          <a:lnRef idx="2">
+            <a:schemeClr val="accent3">
+              <a:shade val="50000"/>
+            </a:schemeClr>
+          </a:lnRef>
+          <a:fillRef idx="1">
+            <a:schemeClr val="accent3"/>
+          </a:fillRef>
+          <a:effectRef idx="0">
+            <a:schemeClr val="accent3"/>
+          </a:effectRef>
+          <a:fontRef idx="minor">
+            <a:schemeClr val="lt1"/>
+          </a:fontRef>
+        </p:style>
+        <p:txBody>
+          <a:bodyPr rtlCol="0" anchor="ctr"/>
+          <a:lstStyle/>
+          <a:p>
+            <a:pPr algn="ctr"/>
+            <a:endParaRPr lang="es-CO" dirty="0"/>
+          </a:p>
+        </p:txBody>
+      </p:sp>
+      <p:sp>
+        <p:nvSpPr>
+          <p:cNvPr id="27" name="Rectangle 26">
+            <a:extLst>
+              <a:ext uri="{FF2B5EF4-FFF2-40B4-BE49-F238E27FC236}">
+                <a16:creationId xmlns:a16="http://schemas.microsoft.com/office/drawing/2014/main" id="{7C808F2C-4F24-4F4C-84E3-14B35CCC9245}"/>
+              </a:ext>
+            </a:extLst>
+          </p:cNvPr>
+          <p:cNvSpPr/>
+          <p:nvPr/>
+        </p:nvSpPr>
+        <p:spPr>
+          <a:xfrm>
+            <a:off x="4114939" y="3439207"/>
+            <a:ext cx="271324" cy="817072"/>
+          </a:xfrm>
+          <a:prstGeom prst="rect">
+            <a:avLst/>
+          </a:prstGeom>
+          <a:ln w="19050">
+            <a:noFill/>
+          </a:ln>
+        </p:spPr>
+        <p:style>
+          <a:lnRef idx="2">
+            <a:schemeClr val="accent3">
+              <a:shade val="50000"/>
+            </a:schemeClr>
+          </a:lnRef>
+          <a:fillRef idx="1">
+            <a:schemeClr val="accent3"/>
+          </a:fillRef>
+          <a:effectRef idx="0">
+            <a:schemeClr val="accent3"/>
+          </a:effectRef>
+          <a:fontRef idx="minor">
+            <a:schemeClr val="lt1"/>
+          </a:fontRef>
+        </p:style>
+        <p:txBody>
+          <a:bodyPr rtlCol="0" anchor="ctr"/>
+          <a:lstStyle/>
+          <a:p>
+            <a:pPr algn="ctr"/>
+            <a:endParaRPr lang="es-CO" dirty="0"/>
+          </a:p>
+        </p:txBody>
+      </p:sp>
+      <p:sp>
+        <p:nvSpPr>
+          <p:cNvPr id="29" name="Rectangle 28">
+            <a:extLst>
+              <a:ext uri="{FF2B5EF4-FFF2-40B4-BE49-F238E27FC236}">
+                <a16:creationId xmlns:a16="http://schemas.microsoft.com/office/drawing/2014/main" id="{F7123D66-CEC6-4F07-A10A-BA0FDA973A5A}"/>
+              </a:ext>
+            </a:extLst>
+          </p:cNvPr>
+          <p:cNvSpPr/>
+          <p:nvPr/>
+        </p:nvSpPr>
+        <p:spPr>
+          <a:xfrm flipV="1">
+            <a:off x="2514405" y="2984487"/>
+            <a:ext cx="69152" cy="80544"/>
+          </a:xfrm>
+          <a:prstGeom prst="rect">
+            <a:avLst/>
+          </a:prstGeom>
+          <a:solidFill>
+            <a:srgbClr val="787878"/>
+          </a:solidFill>
+          <a:ln w="76200">
+            <a:noFill/>
+          </a:ln>
+        </p:spPr>
+        <p:style>
+          <a:lnRef idx="2">
+            <a:schemeClr val="accent3">
+              <a:shade val="50000"/>
+            </a:schemeClr>
+          </a:lnRef>
+          <a:fillRef idx="1">
+            <a:schemeClr val="accent3"/>
+          </a:fillRef>
+          <a:effectRef idx="0">
+            <a:schemeClr val="accent3"/>
+          </a:effectRef>
+          <a:fontRef idx="minor">
+            <a:schemeClr val="lt1"/>
+          </a:fontRef>
+        </p:style>
+        <p:txBody>
+          <a:bodyPr rtlCol="0" anchor="ctr"/>
+          <a:lstStyle/>
+          <a:p>
+            <a:pPr algn="ctr"/>
+            <a:endParaRPr lang="es-CO" dirty="0"/>
+          </a:p>
+        </p:txBody>
+      </p:sp>
+      <p:cxnSp>
+        <p:nvCxnSpPr>
+          <p:cNvPr id="9" name="Straight Connector 8">
+            <a:extLst>
+              <a:ext uri="{FF2B5EF4-FFF2-40B4-BE49-F238E27FC236}">
+                <a16:creationId xmlns:a16="http://schemas.microsoft.com/office/drawing/2014/main" id="{EF6006BE-05B0-4694-B929-063A48052C03}"/>
+              </a:ext>
+            </a:extLst>
+          </p:cNvPr>
+          <p:cNvCxnSpPr>
+            <a:cxnSpLocks/>
+          </p:cNvCxnSpPr>
+          <p:nvPr/>
+        </p:nvCxnSpPr>
+        <p:spPr>
+          <a:xfrm>
+            <a:off x="2548981" y="2984487"/>
+            <a:ext cx="0" cy="492798"/>
+          </a:xfrm>
+          <a:prstGeom prst="line">
+            <a:avLst/>
+          </a:prstGeom>
+          <a:ln w="38100">
+            <a:headEnd type="none" w="med" len="med"/>
+            <a:tailEnd type="none" w="med" len="med"/>
+          </a:ln>
+        </p:spPr>
+        <p:style>
+          <a:lnRef idx="3">
+            <a:schemeClr val="dk1"/>
+          </a:lnRef>
+          <a:fillRef idx="0">
+            <a:schemeClr val="dk1"/>
+          </a:fillRef>
+          <a:effectRef idx="2">
+            <a:schemeClr val="dk1"/>
+          </a:effectRef>
+          <a:fontRef idx="minor">
+            <a:schemeClr val="tx1"/>
+          </a:fontRef>
+        </p:style>
+      </p:cxnSp>
+      <p:grpSp>
+        <p:nvGrpSpPr>
+          <p:cNvPr id="40" name="Group 39">
+            <a:extLst>
+              <a:ext uri="{FF2B5EF4-FFF2-40B4-BE49-F238E27FC236}">
+                <a16:creationId xmlns:a16="http://schemas.microsoft.com/office/drawing/2014/main" id="{C952A7CE-ECA1-41A9-9435-16EAA75A34C2}"/>
+              </a:ext>
+            </a:extLst>
+          </p:cNvPr>
+          <p:cNvGrpSpPr/>
+          <p:nvPr/>
+        </p:nvGrpSpPr>
+        <p:grpSpPr>
+          <a:xfrm rot="298682">
+            <a:off x="3580416" y="2949432"/>
+            <a:ext cx="769285" cy="181152"/>
+            <a:chOff x="4359709" y="2812149"/>
+            <a:chExt cx="557142" cy="181152"/>
+          </a:xfrm>
+        </p:grpSpPr>
+        <p:sp>
+          <p:nvSpPr>
+            <p:cNvPr id="37" name="Rectangle 36">
+              <a:extLst>
+                <a:ext uri="{FF2B5EF4-FFF2-40B4-BE49-F238E27FC236}">
+                  <a16:creationId xmlns:a16="http://schemas.microsoft.com/office/drawing/2014/main" id="{F3FF3BD3-B6F8-4626-8017-2D5C449242A9}"/>
+                </a:ext>
+              </a:extLst>
+            </p:cNvPr>
+            <p:cNvSpPr/>
+            <p:nvPr/>
+          </p:nvSpPr>
+          <p:spPr>
+            <a:xfrm>
+              <a:off x="4421254" y="2812325"/>
+              <a:ext cx="405110" cy="180975"/>
+            </a:xfrm>
+            <a:prstGeom prst="rect">
+              <a:avLst/>
+            </a:prstGeom>
+            <a:solidFill>
+              <a:schemeClr val="tx1">
+                <a:lumMod val="50000"/>
+                <a:lumOff val="50000"/>
+              </a:schemeClr>
+            </a:solidFill>
+            <a:ln w="19050">
+              <a:noFill/>
+            </a:ln>
+          </p:spPr>
+          <p:style>
+            <a:lnRef idx="2">
+              <a:schemeClr val="accent3">
+                <a:shade val="50000"/>
+              </a:schemeClr>
+            </a:lnRef>
+            <a:fillRef idx="1">
+              <a:schemeClr val="accent3"/>
+            </a:fillRef>
+            <a:effectRef idx="0">
+              <a:schemeClr val="accent3"/>
+            </a:effectRef>
+            <a:fontRef idx="minor">
+              <a:schemeClr val="lt1"/>
+            </a:fontRef>
+          </p:style>
+          <p:txBody>
+            <a:bodyPr rtlCol="0" anchor="ctr"/>
+            <a:lstStyle/>
+            <a:p>
+              <a:pPr algn="ctr"/>
+              <a:endParaRPr lang="es-CO" dirty="0"/>
+            </a:p>
+          </p:txBody>
+        </p:sp>
+        <p:sp>
+          <p:nvSpPr>
+            <p:cNvPr id="38" name="Oval 37">
+              <a:extLst>
+                <a:ext uri="{FF2B5EF4-FFF2-40B4-BE49-F238E27FC236}">
+                  <a16:creationId xmlns:a16="http://schemas.microsoft.com/office/drawing/2014/main" id="{D54A73F5-CF19-46C5-BC6B-EF8F8BD662AF}"/>
+                </a:ext>
+              </a:extLst>
+            </p:cNvPr>
+            <p:cNvSpPr/>
+            <p:nvPr/>
+          </p:nvSpPr>
+          <p:spPr>
+            <a:xfrm>
+              <a:off x="4735877" y="2812327"/>
+              <a:ext cx="180974" cy="180974"/>
+            </a:xfrm>
+            <a:prstGeom prst="ellipse">
+              <a:avLst/>
+            </a:prstGeom>
+            <a:solidFill>
+              <a:schemeClr val="tx1">
+                <a:lumMod val="50000"/>
+                <a:lumOff val="50000"/>
+              </a:schemeClr>
+            </a:solidFill>
+            <a:ln w="19050">
+              <a:noFill/>
+            </a:ln>
+          </p:spPr>
+          <p:style>
+            <a:lnRef idx="2">
+              <a:schemeClr val="accent3">
+                <a:shade val="50000"/>
+              </a:schemeClr>
+            </a:lnRef>
+            <a:fillRef idx="1">
+              <a:schemeClr val="accent3"/>
+            </a:fillRef>
+            <a:effectRef idx="0">
+              <a:schemeClr val="accent3"/>
+            </a:effectRef>
+            <a:fontRef idx="minor">
+              <a:schemeClr val="lt1"/>
+            </a:fontRef>
+          </p:style>
+          <p:txBody>
+            <a:bodyPr rtlCol="0" anchor="ctr"/>
+            <a:lstStyle/>
+            <a:p>
+              <a:pPr algn="ctr"/>
+              <a:endParaRPr lang="es-CO"/>
+            </a:p>
+          </p:txBody>
+        </p:sp>
+        <p:sp>
+          <p:nvSpPr>
+            <p:cNvPr id="39" name="Oval 38">
+              <a:extLst>
+                <a:ext uri="{FF2B5EF4-FFF2-40B4-BE49-F238E27FC236}">
+                  <a16:creationId xmlns:a16="http://schemas.microsoft.com/office/drawing/2014/main" id="{C63F301E-2A6A-4059-B022-08E47F3D6BE3}"/>
+                </a:ext>
+              </a:extLst>
+            </p:cNvPr>
+            <p:cNvSpPr/>
+            <p:nvPr/>
+          </p:nvSpPr>
+          <p:spPr>
+            <a:xfrm>
+              <a:off x="4359709" y="2812149"/>
+              <a:ext cx="180974" cy="180974"/>
+            </a:xfrm>
+            <a:prstGeom prst="ellipse">
+              <a:avLst/>
+            </a:prstGeom>
+            <a:solidFill>
+              <a:schemeClr val="tx1">
+                <a:lumMod val="50000"/>
+                <a:lumOff val="50000"/>
+              </a:schemeClr>
+            </a:solidFill>
+            <a:ln w="19050">
+              <a:noFill/>
+            </a:ln>
+          </p:spPr>
+          <p:style>
+            <a:lnRef idx="2">
+              <a:schemeClr val="accent3">
+                <a:shade val="50000"/>
+              </a:schemeClr>
+            </a:lnRef>
+            <a:fillRef idx="1">
+              <a:schemeClr val="accent3"/>
+            </a:fillRef>
+            <a:effectRef idx="0">
+              <a:schemeClr val="accent3"/>
+            </a:effectRef>
+            <a:fontRef idx="minor">
+              <a:schemeClr val="lt1"/>
+            </a:fontRef>
+          </p:style>
+          <p:txBody>
+            <a:bodyPr rtlCol="0" anchor="ctr"/>
+            <a:lstStyle/>
+            <a:p>
+              <a:pPr algn="ctr"/>
+              <a:endParaRPr lang="es-CO"/>
+            </a:p>
+          </p:txBody>
+        </p:sp>
+      </p:grpSp>
+      <p:sp>
+        <p:nvSpPr>
+          <p:cNvPr id="41" name="Rectangle 40">
+            <a:extLst>
+              <a:ext uri="{FF2B5EF4-FFF2-40B4-BE49-F238E27FC236}">
+                <a16:creationId xmlns:a16="http://schemas.microsoft.com/office/drawing/2014/main" id="{D1C93F84-E6D5-41BE-A953-0872E2AB0DBA}"/>
+              </a:ext>
+            </a:extLst>
+          </p:cNvPr>
+          <p:cNvSpPr/>
+          <p:nvPr/>
+        </p:nvSpPr>
+        <p:spPr>
+          <a:xfrm>
+            <a:off x="3473811" y="3530305"/>
+            <a:ext cx="1002940" cy="180975"/>
+          </a:xfrm>
+          <a:prstGeom prst="rect">
+            <a:avLst/>
+          </a:prstGeom>
+          <a:ln w="19050">
+            <a:noFill/>
+          </a:ln>
+        </p:spPr>
+        <p:style>
+          <a:lnRef idx="2">
+            <a:schemeClr val="accent3">
+              <a:shade val="50000"/>
+            </a:schemeClr>
+          </a:lnRef>
+          <a:fillRef idx="1">
+            <a:schemeClr val="accent3"/>
+          </a:fillRef>
+          <a:effectRef idx="0">
+            <a:schemeClr val="accent3"/>
+          </a:effectRef>
+          <a:fontRef idx="minor">
+            <a:schemeClr val="lt1"/>
+          </a:fontRef>
+        </p:style>
+        <p:txBody>
+          <a:bodyPr rtlCol="0" anchor="ctr"/>
+          <a:lstStyle/>
+          <a:p>
+            <a:pPr algn="ctr"/>
+            <a:endParaRPr lang="es-CO" dirty="0"/>
+          </a:p>
+        </p:txBody>
+      </p:sp>
+    </p:spTree>
+    <p:extLst>
+      <p:ext uri="{BB962C8B-B14F-4D97-AF65-F5344CB8AC3E}">
+        <p14:creationId xmlns:p14="http://schemas.microsoft.com/office/powerpoint/2010/main" val="1070240513"/>
       </p:ext>
     </p:extLst>
   </p:cSld>
